--- a/figures/risque.pptx
+++ b/figures/risque.pptx
@@ -6,6 +6,7 @@
   </p:sldMasterIdLst>
   <p:sldIdLst>
     <p:sldId id="256" r:id="rId2"/>
+    <p:sldId id="257" r:id="rId3"/>
   </p:sldIdLst>
   <p:sldSz cx="12192000" cy="6858000"/>
   <p:notesSz cx="6858000" cy="9144000"/>
@@ -4284,6 +4285,1118 @@
 </p:sld>
 </file>
 
+<file path=ppt/slides/slide2.xml><?xml version="1.0" encoding="utf-8"?>
+<p:sld xmlns:a="http://schemas.openxmlformats.org/drawingml/2006/main" xmlns:r="http://schemas.openxmlformats.org/officeDocument/2006/relationships" xmlns:p="http://schemas.openxmlformats.org/presentationml/2006/main">
+  <p:cSld>
+    <p:spTree>
+      <p:nvGrpSpPr>
+        <p:cNvPr id="1" name=""/>
+        <p:cNvGrpSpPr/>
+        <p:nvPr/>
+      </p:nvGrpSpPr>
+      <p:grpSpPr>
+        <a:xfrm>
+          <a:off x="0" y="0"/>
+          <a:ext cx="0" cy="0"/>
+          <a:chOff x="0" y="0"/>
+          <a:chExt cx="0" cy="0"/>
+        </a:xfrm>
+      </p:grpSpPr>
+      <p:cxnSp>
+        <p:nvCxnSpPr>
+          <p:cNvPr id="5" name="Connecteur droit 4">
+            <a:extLst>
+              <a:ext uri="{FF2B5EF4-FFF2-40B4-BE49-F238E27FC236}">
+                <a16:creationId xmlns:a16="http://schemas.microsoft.com/office/drawing/2014/main" id="{A9517E58-EAF7-634A-A458-F8F011F8777F}"/>
+              </a:ext>
+            </a:extLst>
+          </p:cNvPr>
+          <p:cNvCxnSpPr/>
+          <p:nvPr/>
+        </p:nvCxnSpPr>
+        <p:spPr>
+          <a:xfrm>
+            <a:off x="2837793" y="1324303"/>
+            <a:ext cx="0" cy="4540469"/>
+          </a:xfrm>
+          <a:prstGeom prst="line">
+            <a:avLst/>
+          </a:prstGeom>
+        </p:spPr>
+        <p:style>
+          <a:lnRef idx="1">
+            <a:schemeClr val="accent1"/>
+          </a:lnRef>
+          <a:fillRef idx="0">
+            <a:schemeClr val="accent1"/>
+          </a:fillRef>
+          <a:effectRef idx="0">
+            <a:schemeClr val="accent1"/>
+          </a:effectRef>
+          <a:fontRef idx="minor">
+            <a:schemeClr val="tx1"/>
+          </a:fontRef>
+        </p:style>
+      </p:cxnSp>
+      <p:cxnSp>
+        <p:nvCxnSpPr>
+          <p:cNvPr id="7" name="Connecteur droit 6">
+            <a:extLst>
+              <a:ext uri="{FF2B5EF4-FFF2-40B4-BE49-F238E27FC236}">
+                <a16:creationId xmlns:a16="http://schemas.microsoft.com/office/drawing/2014/main" id="{AEBFD466-B99D-FF48-A23B-316A91E6C748}"/>
+              </a:ext>
+            </a:extLst>
+          </p:cNvPr>
+          <p:cNvCxnSpPr/>
+          <p:nvPr/>
+        </p:nvCxnSpPr>
+        <p:spPr>
+          <a:xfrm>
+            <a:off x="2564524" y="5717628"/>
+            <a:ext cx="5864773" cy="0"/>
+          </a:xfrm>
+          <a:prstGeom prst="line">
+            <a:avLst/>
+          </a:prstGeom>
+        </p:spPr>
+        <p:style>
+          <a:lnRef idx="1">
+            <a:schemeClr val="accent1"/>
+          </a:lnRef>
+          <a:fillRef idx="0">
+            <a:schemeClr val="accent1"/>
+          </a:fillRef>
+          <a:effectRef idx="0">
+            <a:schemeClr val="accent1"/>
+          </a:effectRef>
+          <a:fontRef idx="minor">
+            <a:schemeClr val="tx1"/>
+          </a:fontRef>
+        </p:style>
+      </p:cxnSp>
+      <p:sp>
+        <p:nvSpPr>
+          <p:cNvPr id="8" name="ZoneTexte 7">
+            <a:extLst>
+              <a:ext uri="{FF2B5EF4-FFF2-40B4-BE49-F238E27FC236}">
+                <a16:creationId xmlns:a16="http://schemas.microsoft.com/office/drawing/2014/main" id="{D3BFF43F-6A2C-CC4F-BC5B-A8AF65354016}"/>
+              </a:ext>
+            </a:extLst>
+          </p:cNvPr>
+          <p:cNvSpPr txBox="1"/>
+          <p:nvPr/>
+        </p:nvSpPr>
+        <p:spPr>
+          <a:xfrm>
+            <a:off x="7571792" y="5717628"/>
+            <a:ext cx="992579" cy="369332"/>
+          </a:xfrm>
+          <a:prstGeom prst="rect">
+            <a:avLst/>
+          </a:prstGeom>
+          <a:noFill/>
+        </p:spPr>
+        <p:txBody>
+          <a:bodyPr wrap="none" rtlCol="0">
+            <a:spAutoFit/>
+          </a:bodyPr>
+          <a:lstStyle/>
+          <a:p>
+            <a:r>
+              <a:rPr lang="fr-FR" dirty="0"/>
+              <a:t>Richesse</a:t>
+            </a:r>
+          </a:p>
+        </p:txBody>
+      </p:sp>
+      <p:sp>
+        <p:nvSpPr>
+          <p:cNvPr id="9" name="ZoneTexte 8">
+            <a:extLst>
+              <a:ext uri="{FF2B5EF4-FFF2-40B4-BE49-F238E27FC236}">
+                <a16:creationId xmlns:a16="http://schemas.microsoft.com/office/drawing/2014/main" id="{3C5658FF-C53A-1A4A-AABD-94BBBBCC6E89}"/>
+              </a:ext>
+            </a:extLst>
+          </p:cNvPr>
+          <p:cNvSpPr txBox="1"/>
+          <p:nvPr/>
+        </p:nvSpPr>
+        <p:spPr>
+          <a:xfrm>
+            <a:off x="2091874" y="1113059"/>
+            <a:ext cx="757643" cy="369332"/>
+          </a:xfrm>
+          <a:prstGeom prst="rect">
+            <a:avLst/>
+          </a:prstGeom>
+          <a:noFill/>
+        </p:spPr>
+        <p:txBody>
+          <a:bodyPr wrap="none" rtlCol="0">
+            <a:spAutoFit/>
+          </a:bodyPr>
+          <a:lstStyle/>
+          <a:p>
+            <a:r>
+              <a:rPr lang="fr-FR" dirty="0"/>
+              <a:t>Utilité</a:t>
+            </a:r>
+          </a:p>
+        </p:txBody>
+      </p:sp>
+      <p:sp>
+        <p:nvSpPr>
+          <p:cNvPr id="10" name="Arc 9">
+            <a:extLst>
+              <a:ext uri="{FF2B5EF4-FFF2-40B4-BE49-F238E27FC236}">
+                <a16:creationId xmlns:a16="http://schemas.microsoft.com/office/drawing/2014/main" id="{8D9BF4A5-F7A6-0E4A-AD38-D1CF04CE2D80}"/>
+              </a:ext>
+            </a:extLst>
+          </p:cNvPr>
+          <p:cNvSpPr/>
+          <p:nvPr/>
+        </p:nvSpPr>
+        <p:spPr>
+          <a:xfrm rot="17624106">
+            <a:off x="1090495" y="3984681"/>
+            <a:ext cx="8812821" cy="5757955"/>
+          </a:xfrm>
+          <a:prstGeom prst="arc">
+            <a:avLst>
+              <a:gd name="adj1" fmla="val 16200000"/>
+              <a:gd name="adj2" fmla="val 21064238"/>
+            </a:avLst>
+          </a:prstGeom>
+        </p:spPr>
+        <p:style>
+          <a:lnRef idx="1">
+            <a:schemeClr val="accent1"/>
+          </a:lnRef>
+          <a:fillRef idx="0">
+            <a:schemeClr val="accent1"/>
+          </a:fillRef>
+          <a:effectRef idx="0">
+            <a:schemeClr val="accent1"/>
+          </a:effectRef>
+          <a:fontRef idx="minor">
+            <a:schemeClr val="tx1"/>
+          </a:fontRef>
+        </p:style>
+        <p:txBody>
+          <a:bodyPr rtlCol="0" anchor="ctr"/>
+          <a:lstStyle/>
+          <a:p>
+            <a:pPr algn="ctr"/>
+            <a:endParaRPr lang="fr-FR"/>
+          </a:p>
+        </p:txBody>
+      </p:sp>
+      <p:sp>
+        <p:nvSpPr>
+          <p:cNvPr id="11" name="ZoneTexte 10">
+            <a:extLst>
+              <a:ext uri="{FF2B5EF4-FFF2-40B4-BE49-F238E27FC236}">
+                <a16:creationId xmlns:a16="http://schemas.microsoft.com/office/drawing/2014/main" id="{2804586C-4B92-A040-9243-DA6BBDE0FBF6}"/>
+              </a:ext>
+            </a:extLst>
+          </p:cNvPr>
+          <p:cNvSpPr txBox="1"/>
+          <p:nvPr/>
+        </p:nvSpPr>
+        <p:spPr>
+          <a:xfrm>
+            <a:off x="3773213" y="5728138"/>
+            <a:ext cx="304892" cy="369332"/>
+          </a:xfrm>
+          <a:prstGeom prst="rect">
+            <a:avLst/>
+          </a:prstGeom>
+          <a:noFill/>
+        </p:spPr>
+        <p:txBody>
+          <a:bodyPr wrap="none" rtlCol="0">
+            <a:spAutoFit/>
+          </a:bodyPr>
+          <a:lstStyle/>
+          <a:p>
+            <a:r>
+              <a:rPr lang="fr-FR" dirty="0"/>
+              <a:t>X</a:t>
+            </a:r>
+          </a:p>
+        </p:txBody>
+      </p:sp>
+      <p:sp>
+        <p:nvSpPr>
+          <p:cNvPr id="12" name="ZoneTexte 11">
+            <a:extLst>
+              <a:ext uri="{FF2B5EF4-FFF2-40B4-BE49-F238E27FC236}">
+                <a16:creationId xmlns:a16="http://schemas.microsoft.com/office/drawing/2014/main" id="{FBA7AAE8-92A6-864C-8B6B-70310F13E30E}"/>
+              </a:ext>
+            </a:extLst>
+          </p:cNvPr>
+          <p:cNvSpPr txBox="1"/>
+          <p:nvPr/>
+        </p:nvSpPr>
+        <p:spPr>
+          <a:xfrm>
+            <a:off x="5754321" y="5728138"/>
+            <a:ext cx="296876" cy="369332"/>
+          </a:xfrm>
+          <a:prstGeom prst="rect">
+            <a:avLst/>
+          </a:prstGeom>
+          <a:noFill/>
+        </p:spPr>
+        <p:txBody>
+          <a:bodyPr wrap="none" rtlCol="0">
+            <a:spAutoFit/>
+          </a:bodyPr>
+          <a:lstStyle/>
+          <a:p>
+            <a:r>
+              <a:rPr lang="fr-FR" dirty="0"/>
+              <a:t>Y</a:t>
+            </a:r>
+          </a:p>
+        </p:txBody>
+      </p:sp>
+      <p:cxnSp>
+        <p:nvCxnSpPr>
+          <p:cNvPr id="14" name="Connecteur droit 13">
+            <a:extLst>
+              <a:ext uri="{FF2B5EF4-FFF2-40B4-BE49-F238E27FC236}">
+                <a16:creationId xmlns:a16="http://schemas.microsoft.com/office/drawing/2014/main" id="{39656568-721B-2A43-9649-7B7B8CE1FDAA}"/>
+              </a:ext>
+            </a:extLst>
+          </p:cNvPr>
+          <p:cNvCxnSpPr>
+            <a:stCxn id="11" idx="0"/>
+          </p:cNvCxnSpPr>
+          <p:nvPr/>
+        </p:nvCxnSpPr>
+        <p:spPr>
+          <a:xfrm flipH="1" flipV="1">
+            <a:off x="3909848" y="4078014"/>
+            <a:ext cx="15811" cy="1650124"/>
+          </a:xfrm>
+          <a:prstGeom prst="line">
+            <a:avLst/>
+          </a:prstGeom>
+          <a:ln>
+            <a:prstDash val="lgDash"/>
+          </a:ln>
+        </p:spPr>
+        <p:style>
+          <a:lnRef idx="1">
+            <a:schemeClr val="accent1"/>
+          </a:lnRef>
+          <a:fillRef idx="0">
+            <a:schemeClr val="accent1"/>
+          </a:fillRef>
+          <a:effectRef idx="0">
+            <a:schemeClr val="accent1"/>
+          </a:effectRef>
+          <a:fontRef idx="minor">
+            <a:schemeClr val="tx1"/>
+          </a:fontRef>
+        </p:style>
+      </p:cxnSp>
+      <p:cxnSp>
+        <p:nvCxnSpPr>
+          <p:cNvPr id="15" name="Connecteur droit 14">
+            <a:extLst>
+              <a:ext uri="{FF2B5EF4-FFF2-40B4-BE49-F238E27FC236}">
+                <a16:creationId xmlns:a16="http://schemas.microsoft.com/office/drawing/2014/main" id="{1326FBB9-2CB7-4247-B517-A660C6ECCA66}"/>
+              </a:ext>
+            </a:extLst>
+          </p:cNvPr>
+          <p:cNvCxnSpPr>
+            <a:cxnSpLocks/>
+          </p:cNvCxnSpPr>
+          <p:nvPr/>
+        </p:nvCxnSpPr>
+        <p:spPr>
+          <a:xfrm flipH="1" flipV="1">
+            <a:off x="5918615" y="2753710"/>
+            <a:ext cx="1" cy="2974428"/>
+          </a:xfrm>
+          <a:prstGeom prst="line">
+            <a:avLst/>
+          </a:prstGeom>
+          <a:ln>
+            <a:prstDash val="lgDash"/>
+          </a:ln>
+        </p:spPr>
+        <p:style>
+          <a:lnRef idx="1">
+            <a:schemeClr val="accent1"/>
+          </a:lnRef>
+          <a:fillRef idx="0">
+            <a:schemeClr val="accent1"/>
+          </a:fillRef>
+          <a:effectRef idx="0">
+            <a:schemeClr val="accent1"/>
+          </a:effectRef>
+          <a:fontRef idx="minor">
+            <a:schemeClr val="tx1"/>
+          </a:fontRef>
+        </p:style>
+      </p:cxnSp>
+      <p:cxnSp>
+        <p:nvCxnSpPr>
+          <p:cNvPr id="18" name="Connecteur droit 17">
+            <a:extLst>
+              <a:ext uri="{FF2B5EF4-FFF2-40B4-BE49-F238E27FC236}">
+                <a16:creationId xmlns:a16="http://schemas.microsoft.com/office/drawing/2014/main" id="{881F3F73-8ACF-C543-94D9-1231B117FD8B}"/>
+              </a:ext>
+            </a:extLst>
+          </p:cNvPr>
+          <p:cNvCxnSpPr/>
+          <p:nvPr/>
+        </p:nvCxnSpPr>
+        <p:spPr>
+          <a:xfrm flipV="1">
+            <a:off x="3909848" y="2753710"/>
+            <a:ext cx="1992911" cy="1324304"/>
+          </a:xfrm>
+          <a:prstGeom prst="line">
+            <a:avLst/>
+          </a:prstGeom>
+        </p:spPr>
+        <p:style>
+          <a:lnRef idx="1">
+            <a:schemeClr val="accent1"/>
+          </a:lnRef>
+          <a:fillRef idx="0">
+            <a:schemeClr val="accent1"/>
+          </a:fillRef>
+          <a:effectRef idx="0">
+            <a:schemeClr val="accent1"/>
+          </a:effectRef>
+          <a:fontRef idx="minor">
+            <a:schemeClr val="tx1"/>
+          </a:fontRef>
+        </p:style>
+      </p:cxnSp>
+      <p:cxnSp>
+        <p:nvCxnSpPr>
+          <p:cNvPr id="20" name="Connecteur droit 19">
+            <a:extLst>
+              <a:ext uri="{FF2B5EF4-FFF2-40B4-BE49-F238E27FC236}">
+                <a16:creationId xmlns:a16="http://schemas.microsoft.com/office/drawing/2014/main" id="{0B304C8F-C45E-F244-8675-7C7951BE82BD}"/>
+              </a:ext>
+            </a:extLst>
+          </p:cNvPr>
+          <p:cNvCxnSpPr/>
+          <p:nvPr/>
+        </p:nvCxnSpPr>
+        <p:spPr>
+          <a:xfrm flipH="1">
+            <a:off x="2837793" y="4078014"/>
+            <a:ext cx="1072055" cy="0"/>
+          </a:xfrm>
+          <a:prstGeom prst="line">
+            <a:avLst/>
+          </a:prstGeom>
+          <a:ln>
+            <a:prstDash val="lgDash"/>
+          </a:ln>
+        </p:spPr>
+        <p:style>
+          <a:lnRef idx="1">
+            <a:schemeClr val="accent1"/>
+          </a:lnRef>
+          <a:fillRef idx="0">
+            <a:schemeClr val="accent1"/>
+          </a:fillRef>
+          <a:effectRef idx="0">
+            <a:schemeClr val="accent1"/>
+          </a:effectRef>
+          <a:fontRef idx="minor">
+            <a:schemeClr val="tx1"/>
+          </a:fontRef>
+        </p:style>
+      </p:cxnSp>
+      <p:sp>
+        <p:nvSpPr>
+          <p:cNvPr id="21" name="ZoneTexte 20">
+            <a:extLst>
+              <a:ext uri="{FF2B5EF4-FFF2-40B4-BE49-F238E27FC236}">
+                <a16:creationId xmlns:a16="http://schemas.microsoft.com/office/drawing/2014/main" id="{7A59D126-27A9-934A-97C9-F7AA8BAF56FD}"/>
+              </a:ext>
+            </a:extLst>
+          </p:cNvPr>
+          <p:cNvSpPr txBox="1"/>
+          <p:nvPr/>
+        </p:nvSpPr>
+        <p:spPr>
+          <a:xfrm>
+            <a:off x="2267808" y="3871592"/>
+            <a:ext cx="593432" cy="369332"/>
+          </a:xfrm>
+          <a:prstGeom prst="rect">
+            <a:avLst/>
+          </a:prstGeom>
+          <a:noFill/>
+        </p:spPr>
+        <p:txBody>
+          <a:bodyPr wrap="none" rtlCol="0">
+            <a:spAutoFit/>
+          </a:bodyPr>
+          <a:lstStyle/>
+          <a:p>
+            <a:r>
+              <a:rPr lang="fr-FR" dirty="0"/>
+              <a:t>U(X)</a:t>
+            </a:r>
+          </a:p>
+        </p:txBody>
+      </p:sp>
+      <p:sp>
+        <p:nvSpPr>
+          <p:cNvPr id="22" name="ZoneTexte 21">
+            <a:extLst>
+              <a:ext uri="{FF2B5EF4-FFF2-40B4-BE49-F238E27FC236}">
+                <a16:creationId xmlns:a16="http://schemas.microsoft.com/office/drawing/2014/main" id="{E0465C28-6BA0-624E-A1D1-24C132BD3EC4}"/>
+              </a:ext>
+            </a:extLst>
+          </p:cNvPr>
+          <p:cNvSpPr txBox="1"/>
+          <p:nvPr/>
+        </p:nvSpPr>
+        <p:spPr>
+          <a:xfrm>
+            <a:off x="2307470" y="2498945"/>
+            <a:ext cx="585417" cy="369332"/>
+          </a:xfrm>
+          <a:prstGeom prst="rect">
+            <a:avLst/>
+          </a:prstGeom>
+          <a:noFill/>
+        </p:spPr>
+        <p:txBody>
+          <a:bodyPr wrap="none" rtlCol="0">
+            <a:spAutoFit/>
+          </a:bodyPr>
+          <a:lstStyle/>
+          <a:p>
+            <a:r>
+              <a:rPr lang="fr-FR" dirty="0"/>
+              <a:t>U(Y)</a:t>
+            </a:r>
+          </a:p>
+        </p:txBody>
+      </p:sp>
+      <p:cxnSp>
+        <p:nvCxnSpPr>
+          <p:cNvPr id="26" name="Connecteur droit 25">
+            <a:extLst>
+              <a:ext uri="{FF2B5EF4-FFF2-40B4-BE49-F238E27FC236}">
+                <a16:creationId xmlns:a16="http://schemas.microsoft.com/office/drawing/2014/main" id="{D55ABC0D-BA8B-5B44-BE92-8962F28574CA}"/>
+              </a:ext>
+            </a:extLst>
+          </p:cNvPr>
+          <p:cNvCxnSpPr/>
+          <p:nvPr/>
+        </p:nvCxnSpPr>
+        <p:spPr>
+          <a:xfrm>
+            <a:off x="2837793" y="3415862"/>
+            <a:ext cx="2068510" cy="0"/>
+          </a:xfrm>
+          <a:prstGeom prst="line">
+            <a:avLst/>
+          </a:prstGeom>
+          <a:ln>
+            <a:prstDash val="lgDash"/>
+          </a:ln>
+        </p:spPr>
+        <p:style>
+          <a:lnRef idx="1">
+            <a:schemeClr val="accent1"/>
+          </a:lnRef>
+          <a:fillRef idx="0">
+            <a:schemeClr val="accent1"/>
+          </a:fillRef>
+          <a:effectRef idx="0">
+            <a:schemeClr val="accent1"/>
+          </a:effectRef>
+          <a:fontRef idx="minor">
+            <a:schemeClr val="tx1"/>
+          </a:fontRef>
+        </p:style>
+      </p:cxnSp>
+      <p:cxnSp>
+        <p:nvCxnSpPr>
+          <p:cNvPr id="29" name="Connecteur droit 28">
+            <a:extLst>
+              <a:ext uri="{FF2B5EF4-FFF2-40B4-BE49-F238E27FC236}">
+                <a16:creationId xmlns:a16="http://schemas.microsoft.com/office/drawing/2014/main" id="{198A9549-9C3C-AC47-A6E9-AD075C34AB07}"/>
+              </a:ext>
+            </a:extLst>
+          </p:cNvPr>
+          <p:cNvCxnSpPr/>
+          <p:nvPr/>
+        </p:nvCxnSpPr>
+        <p:spPr>
+          <a:xfrm flipH="1">
+            <a:off x="2837793" y="2753710"/>
+            <a:ext cx="3064966" cy="0"/>
+          </a:xfrm>
+          <a:prstGeom prst="line">
+            <a:avLst/>
+          </a:prstGeom>
+          <a:ln>
+            <a:prstDash val="lgDashDot"/>
+          </a:ln>
+        </p:spPr>
+        <p:style>
+          <a:lnRef idx="1">
+            <a:schemeClr val="accent1"/>
+          </a:lnRef>
+          <a:fillRef idx="0">
+            <a:schemeClr val="accent1"/>
+          </a:fillRef>
+          <a:effectRef idx="0">
+            <a:schemeClr val="accent1"/>
+          </a:effectRef>
+          <a:fontRef idx="minor">
+            <a:schemeClr val="tx1"/>
+          </a:fontRef>
+        </p:style>
+      </p:cxnSp>
+      <p:cxnSp>
+        <p:nvCxnSpPr>
+          <p:cNvPr id="31" name="Connecteur droit 30">
+            <a:extLst>
+              <a:ext uri="{FF2B5EF4-FFF2-40B4-BE49-F238E27FC236}">
+                <a16:creationId xmlns:a16="http://schemas.microsoft.com/office/drawing/2014/main" id="{0CEA2623-D3C7-CE49-A633-E88D21A629FD}"/>
+              </a:ext>
+            </a:extLst>
+          </p:cNvPr>
+          <p:cNvCxnSpPr>
+            <a:cxnSpLocks/>
+          </p:cNvCxnSpPr>
+          <p:nvPr/>
+        </p:nvCxnSpPr>
+        <p:spPr>
+          <a:xfrm>
+            <a:off x="4906303" y="3168461"/>
+            <a:ext cx="0" cy="2549167"/>
+          </a:xfrm>
+          <a:prstGeom prst="line">
+            <a:avLst/>
+          </a:prstGeom>
+          <a:ln>
+            <a:prstDash val="lgDashDot"/>
+          </a:ln>
+        </p:spPr>
+        <p:style>
+          <a:lnRef idx="1">
+            <a:schemeClr val="accent1"/>
+          </a:lnRef>
+          <a:fillRef idx="0">
+            <a:schemeClr val="accent1"/>
+          </a:fillRef>
+          <a:effectRef idx="0">
+            <a:schemeClr val="accent1"/>
+          </a:effectRef>
+          <a:fontRef idx="minor">
+            <a:schemeClr val="tx1"/>
+          </a:fontRef>
+        </p:style>
+      </p:cxnSp>
+      <p:sp>
+        <p:nvSpPr>
+          <p:cNvPr id="32" name="ZoneTexte 31">
+            <a:extLst>
+              <a:ext uri="{FF2B5EF4-FFF2-40B4-BE49-F238E27FC236}">
+                <a16:creationId xmlns:a16="http://schemas.microsoft.com/office/drawing/2014/main" id="{6C51A2A2-C92A-B544-AD87-4DD478EC4EF9}"/>
+              </a:ext>
+            </a:extLst>
+          </p:cNvPr>
+          <p:cNvSpPr txBox="1"/>
+          <p:nvPr/>
+        </p:nvSpPr>
+        <p:spPr>
+          <a:xfrm>
+            <a:off x="4368248" y="5738316"/>
+            <a:ext cx="343364" cy="369332"/>
+          </a:xfrm>
+          <a:prstGeom prst="rect">
+            <a:avLst/>
+          </a:prstGeom>
+          <a:noFill/>
+        </p:spPr>
+        <p:txBody>
+          <a:bodyPr wrap="none" rtlCol="0">
+            <a:spAutoFit/>
+          </a:bodyPr>
+          <a:lstStyle/>
+          <a:p>
+            <a:r>
+              <a:rPr lang="fr-FR" dirty="0"/>
+              <a:t>Z'</a:t>
+            </a:r>
+          </a:p>
+        </p:txBody>
+      </p:sp>
+      <p:sp>
+        <p:nvSpPr>
+          <p:cNvPr id="33" name="ZoneTexte 32">
+            <a:extLst>
+              <a:ext uri="{FF2B5EF4-FFF2-40B4-BE49-F238E27FC236}">
+                <a16:creationId xmlns:a16="http://schemas.microsoft.com/office/drawing/2014/main" id="{568C579A-EEAF-C14B-8917-C0EC6B9C6AEE}"/>
+              </a:ext>
+            </a:extLst>
+          </p:cNvPr>
+          <p:cNvSpPr txBox="1"/>
+          <p:nvPr/>
+        </p:nvSpPr>
+        <p:spPr>
+          <a:xfrm>
+            <a:off x="1146198" y="3215339"/>
+            <a:ext cx="1787669" cy="369332"/>
+          </a:xfrm>
+          <a:prstGeom prst="rect">
+            <a:avLst/>
+          </a:prstGeom>
+          <a:noFill/>
+        </p:spPr>
+        <p:txBody>
+          <a:bodyPr wrap="none" rtlCol="0">
+            <a:spAutoFit/>
+          </a:bodyPr>
+          <a:lstStyle/>
+          <a:p>
+            <a:r>
+              <a:rPr lang="fr-FR" dirty="0" err="1"/>
+              <a:t>pU</a:t>
+            </a:r>
+            <a:r>
+              <a:rPr lang="fr-FR" dirty="0"/>
+              <a:t>(X) + (1-p)U(Y)</a:t>
+            </a:r>
+          </a:p>
+        </p:txBody>
+      </p:sp>
+      <p:sp>
+        <p:nvSpPr>
+          <p:cNvPr id="34" name="ZoneTexte 33">
+            <a:extLst>
+              <a:ext uri="{FF2B5EF4-FFF2-40B4-BE49-F238E27FC236}">
+                <a16:creationId xmlns:a16="http://schemas.microsoft.com/office/drawing/2014/main" id="{A8FB88F5-7557-0C4D-BA12-27AFDCECB4BB}"/>
+              </a:ext>
+            </a:extLst>
+          </p:cNvPr>
+          <p:cNvSpPr txBox="1"/>
+          <p:nvPr/>
+        </p:nvSpPr>
+        <p:spPr>
+          <a:xfrm>
+            <a:off x="1434739" y="2983795"/>
+            <a:ext cx="1499128" cy="369332"/>
+          </a:xfrm>
+          <a:prstGeom prst="rect">
+            <a:avLst/>
+          </a:prstGeom>
+          <a:noFill/>
+        </p:spPr>
+        <p:txBody>
+          <a:bodyPr wrap="none" rtlCol="0">
+            <a:spAutoFit/>
+          </a:bodyPr>
+          <a:lstStyle/>
+          <a:p>
+            <a:r>
+              <a:rPr lang="fr-FR" dirty="0"/>
+              <a:t>U(</a:t>
+            </a:r>
+            <a:r>
+              <a:rPr lang="fr-FR" dirty="0" err="1"/>
+              <a:t>pX</a:t>
+            </a:r>
+            <a:r>
+              <a:rPr lang="fr-FR" dirty="0"/>
+              <a:t> + (1-p)Y)</a:t>
+            </a:r>
+          </a:p>
+        </p:txBody>
+      </p:sp>
+      <p:cxnSp>
+        <p:nvCxnSpPr>
+          <p:cNvPr id="37" name="Connecteur droit 36">
+            <a:extLst>
+              <a:ext uri="{FF2B5EF4-FFF2-40B4-BE49-F238E27FC236}">
+                <a16:creationId xmlns:a16="http://schemas.microsoft.com/office/drawing/2014/main" id="{356682E4-FFEB-6644-B478-A50197353A6F}"/>
+              </a:ext>
+            </a:extLst>
+          </p:cNvPr>
+          <p:cNvCxnSpPr>
+            <a:cxnSpLocks/>
+          </p:cNvCxnSpPr>
+          <p:nvPr/>
+        </p:nvCxnSpPr>
+        <p:spPr>
+          <a:xfrm flipH="1">
+            <a:off x="2837793" y="3168461"/>
+            <a:ext cx="2068510" cy="0"/>
+          </a:xfrm>
+          <a:prstGeom prst="line">
+            <a:avLst/>
+          </a:prstGeom>
+          <a:ln>
+            <a:prstDash val="lgDash"/>
+          </a:ln>
+        </p:spPr>
+        <p:style>
+          <a:lnRef idx="1">
+            <a:schemeClr val="accent1"/>
+          </a:lnRef>
+          <a:fillRef idx="0">
+            <a:schemeClr val="accent1"/>
+          </a:fillRef>
+          <a:effectRef idx="0">
+            <a:schemeClr val="accent1"/>
+          </a:effectRef>
+          <a:fontRef idx="minor">
+            <a:schemeClr val="tx1"/>
+          </a:fontRef>
+        </p:style>
+      </p:cxnSp>
+      <p:sp>
+        <p:nvSpPr>
+          <p:cNvPr id="39" name="ZoneTexte 38">
+            <a:extLst>
+              <a:ext uri="{FF2B5EF4-FFF2-40B4-BE49-F238E27FC236}">
+                <a16:creationId xmlns:a16="http://schemas.microsoft.com/office/drawing/2014/main" id="{83A07CB5-20A9-8D48-8B1C-F3B20C2059A2}"/>
+              </a:ext>
+            </a:extLst>
+          </p:cNvPr>
+          <p:cNvSpPr txBox="1"/>
+          <p:nvPr/>
+        </p:nvSpPr>
+        <p:spPr>
+          <a:xfrm>
+            <a:off x="4752881" y="2861864"/>
+            <a:ext cx="317716" cy="369332"/>
+          </a:xfrm>
+          <a:prstGeom prst="rect">
+            <a:avLst/>
+          </a:prstGeom>
+          <a:noFill/>
+        </p:spPr>
+        <p:txBody>
+          <a:bodyPr wrap="none" rtlCol="0">
+            <a:spAutoFit/>
+          </a:bodyPr>
+          <a:lstStyle/>
+          <a:p>
+            <a:r>
+              <a:rPr lang="fr-FR" dirty="0"/>
+              <a:t>A</a:t>
+            </a:r>
+          </a:p>
+        </p:txBody>
+      </p:sp>
+      <p:sp>
+        <p:nvSpPr>
+          <p:cNvPr id="40" name="ZoneTexte 39">
+            <a:extLst>
+              <a:ext uri="{FF2B5EF4-FFF2-40B4-BE49-F238E27FC236}">
+                <a16:creationId xmlns:a16="http://schemas.microsoft.com/office/drawing/2014/main" id="{5EADB68E-F168-D046-8688-ACBCC33161A8}"/>
+              </a:ext>
+            </a:extLst>
+          </p:cNvPr>
+          <p:cNvSpPr txBox="1"/>
+          <p:nvPr/>
+        </p:nvSpPr>
+        <p:spPr>
+          <a:xfrm>
+            <a:off x="4843510" y="3353127"/>
+            <a:ext cx="309700" cy="369332"/>
+          </a:xfrm>
+          <a:prstGeom prst="rect">
+            <a:avLst/>
+          </a:prstGeom>
+          <a:noFill/>
+        </p:spPr>
+        <p:txBody>
+          <a:bodyPr wrap="none" rtlCol="0">
+            <a:spAutoFit/>
+          </a:bodyPr>
+          <a:lstStyle/>
+          <a:p>
+            <a:r>
+              <a:rPr lang="fr-FR" dirty="0"/>
+              <a:t>B</a:t>
+            </a:r>
+          </a:p>
+        </p:txBody>
+      </p:sp>
+      <p:sp>
+        <p:nvSpPr>
+          <p:cNvPr id="41" name="Ellipse 40">
+            <a:extLst>
+              <a:ext uri="{FF2B5EF4-FFF2-40B4-BE49-F238E27FC236}">
+                <a16:creationId xmlns:a16="http://schemas.microsoft.com/office/drawing/2014/main" id="{9E85B00A-8991-5844-8B9C-F0321B2F3342}"/>
+              </a:ext>
+            </a:extLst>
+          </p:cNvPr>
+          <p:cNvSpPr/>
+          <p:nvPr/>
+        </p:nvSpPr>
+        <p:spPr>
+          <a:xfrm>
+            <a:off x="4864352" y="3131842"/>
+            <a:ext cx="45719" cy="52551"/>
+          </a:xfrm>
+          <a:prstGeom prst="ellipse">
+            <a:avLst/>
+          </a:prstGeom>
+        </p:spPr>
+        <p:style>
+          <a:lnRef idx="2">
+            <a:schemeClr val="accent1">
+              <a:shade val="50000"/>
+            </a:schemeClr>
+          </a:lnRef>
+          <a:fillRef idx="1">
+            <a:schemeClr val="accent1"/>
+          </a:fillRef>
+          <a:effectRef idx="0">
+            <a:schemeClr val="accent1"/>
+          </a:effectRef>
+          <a:fontRef idx="minor">
+            <a:schemeClr val="lt1"/>
+          </a:fontRef>
+        </p:style>
+        <p:txBody>
+          <a:bodyPr rtlCol="0" anchor="ctr"/>
+          <a:lstStyle/>
+          <a:p>
+            <a:pPr algn="ctr"/>
+            <a:endParaRPr lang="fr-FR"/>
+          </a:p>
+        </p:txBody>
+      </p:sp>
+      <p:sp>
+        <p:nvSpPr>
+          <p:cNvPr id="42" name="Ellipse 41">
+            <a:extLst>
+              <a:ext uri="{FF2B5EF4-FFF2-40B4-BE49-F238E27FC236}">
+                <a16:creationId xmlns:a16="http://schemas.microsoft.com/office/drawing/2014/main" id="{5CD03A58-0BB5-E04D-BA44-D84D6A03EF1F}"/>
+              </a:ext>
+            </a:extLst>
+          </p:cNvPr>
+          <p:cNvSpPr/>
+          <p:nvPr/>
+        </p:nvSpPr>
+        <p:spPr>
+          <a:xfrm>
+            <a:off x="4873023" y="3415861"/>
+            <a:ext cx="45719" cy="52551"/>
+          </a:xfrm>
+          <a:prstGeom prst="ellipse">
+            <a:avLst/>
+          </a:prstGeom>
+        </p:spPr>
+        <p:style>
+          <a:lnRef idx="2">
+            <a:schemeClr val="accent1">
+              <a:shade val="50000"/>
+            </a:schemeClr>
+          </a:lnRef>
+          <a:fillRef idx="1">
+            <a:schemeClr val="accent1"/>
+          </a:fillRef>
+          <a:effectRef idx="0">
+            <a:schemeClr val="accent1"/>
+          </a:effectRef>
+          <a:fontRef idx="minor">
+            <a:schemeClr val="lt1"/>
+          </a:fontRef>
+        </p:style>
+        <p:txBody>
+          <a:bodyPr rtlCol="0" anchor="ctr"/>
+          <a:lstStyle/>
+          <a:p>
+            <a:pPr algn="ctr"/>
+            <a:endParaRPr lang="fr-FR"/>
+          </a:p>
+        </p:txBody>
+      </p:sp>
+      <p:sp>
+        <p:nvSpPr>
+          <p:cNvPr id="27" name="Ellipse 26">
+            <a:extLst>
+              <a:ext uri="{FF2B5EF4-FFF2-40B4-BE49-F238E27FC236}">
+                <a16:creationId xmlns:a16="http://schemas.microsoft.com/office/drawing/2014/main" id="{E839AADF-14BC-9142-9BA7-CEEF0F3A4A4F}"/>
+              </a:ext>
+            </a:extLst>
+          </p:cNvPr>
+          <p:cNvSpPr/>
+          <p:nvPr/>
+        </p:nvSpPr>
+        <p:spPr>
+          <a:xfrm>
+            <a:off x="4533277" y="3399854"/>
+            <a:ext cx="45719" cy="52551"/>
+          </a:xfrm>
+          <a:prstGeom prst="ellipse">
+            <a:avLst/>
+          </a:prstGeom>
+        </p:spPr>
+        <p:style>
+          <a:lnRef idx="2">
+            <a:schemeClr val="accent1">
+              <a:shade val="50000"/>
+            </a:schemeClr>
+          </a:lnRef>
+          <a:fillRef idx="1">
+            <a:schemeClr val="accent1"/>
+          </a:fillRef>
+          <a:effectRef idx="0">
+            <a:schemeClr val="accent1"/>
+          </a:effectRef>
+          <a:fontRef idx="minor">
+            <a:schemeClr val="lt1"/>
+          </a:fontRef>
+        </p:style>
+        <p:txBody>
+          <a:bodyPr rtlCol="0" anchor="ctr"/>
+          <a:lstStyle/>
+          <a:p>
+            <a:pPr algn="ctr"/>
+            <a:endParaRPr lang="fr-FR"/>
+          </a:p>
+        </p:txBody>
+      </p:sp>
+      <p:sp>
+        <p:nvSpPr>
+          <p:cNvPr id="2" name="ZoneTexte 1">
+            <a:extLst>
+              <a:ext uri="{FF2B5EF4-FFF2-40B4-BE49-F238E27FC236}">
+                <a16:creationId xmlns:a16="http://schemas.microsoft.com/office/drawing/2014/main" id="{1C1EE541-5862-0A42-A5CE-74A11E2DD8FB}"/>
+              </a:ext>
+            </a:extLst>
+          </p:cNvPr>
+          <p:cNvSpPr txBox="1"/>
+          <p:nvPr/>
+        </p:nvSpPr>
+        <p:spPr>
+          <a:xfrm>
+            <a:off x="4288506" y="3140389"/>
+            <a:ext cx="308098" cy="369332"/>
+          </a:xfrm>
+          <a:prstGeom prst="rect">
+            <a:avLst/>
+          </a:prstGeom>
+          <a:noFill/>
+        </p:spPr>
+        <p:txBody>
+          <a:bodyPr wrap="none" rtlCol="0">
+            <a:spAutoFit/>
+          </a:bodyPr>
+          <a:lstStyle/>
+          <a:p>
+            <a:r>
+              <a:rPr lang="fr-FR" dirty="0"/>
+              <a:t>C</a:t>
+            </a:r>
+          </a:p>
+        </p:txBody>
+      </p:sp>
+      <p:cxnSp>
+        <p:nvCxnSpPr>
+          <p:cNvPr id="4" name="Connecteur droit 3">
+            <a:extLst>
+              <a:ext uri="{FF2B5EF4-FFF2-40B4-BE49-F238E27FC236}">
+                <a16:creationId xmlns:a16="http://schemas.microsoft.com/office/drawing/2014/main" id="{62797ACB-2B5D-6A44-A5B9-A0335E235EE7}"/>
+              </a:ext>
+            </a:extLst>
+          </p:cNvPr>
+          <p:cNvCxnSpPr>
+            <a:cxnSpLocks/>
+          </p:cNvCxnSpPr>
+          <p:nvPr/>
+        </p:nvCxnSpPr>
+        <p:spPr>
+          <a:xfrm>
+            <a:off x="4547655" y="3452405"/>
+            <a:ext cx="0" cy="2265223"/>
+          </a:xfrm>
+          <a:prstGeom prst="line">
+            <a:avLst/>
+          </a:prstGeom>
+          <a:ln>
+            <a:prstDash val="lgDash"/>
+          </a:ln>
+        </p:spPr>
+        <p:style>
+          <a:lnRef idx="1">
+            <a:schemeClr val="accent1"/>
+          </a:lnRef>
+          <a:fillRef idx="0">
+            <a:schemeClr val="accent1"/>
+          </a:fillRef>
+          <a:effectRef idx="0">
+            <a:schemeClr val="accent1"/>
+          </a:effectRef>
+          <a:fontRef idx="minor">
+            <a:schemeClr val="tx1"/>
+          </a:fontRef>
+        </p:style>
+      </p:cxnSp>
+      <p:sp>
+        <p:nvSpPr>
+          <p:cNvPr id="35" name="ZoneTexte 34">
+            <a:extLst>
+              <a:ext uri="{FF2B5EF4-FFF2-40B4-BE49-F238E27FC236}">
+                <a16:creationId xmlns:a16="http://schemas.microsoft.com/office/drawing/2014/main" id="{274B096F-EF27-5249-9601-D20D18339C96}"/>
+              </a:ext>
+            </a:extLst>
+          </p:cNvPr>
+          <p:cNvSpPr txBox="1"/>
+          <p:nvPr/>
+        </p:nvSpPr>
+        <p:spPr>
+          <a:xfrm>
+            <a:off x="4760269" y="5731993"/>
+            <a:ext cx="292068" cy="369332"/>
+          </a:xfrm>
+          <a:prstGeom prst="rect">
+            <a:avLst/>
+          </a:prstGeom>
+          <a:noFill/>
+        </p:spPr>
+        <p:txBody>
+          <a:bodyPr wrap="none" rtlCol="0">
+            <a:spAutoFit/>
+          </a:bodyPr>
+          <a:lstStyle/>
+          <a:p>
+            <a:r>
+              <a:rPr lang="fr-FR" dirty="0"/>
+              <a:t>Z</a:t>
+            </a:r>
+          </a:p>
+        </p:txBody>
+      </p:sp>
+    </p:spTree>
+    <p:extLst>
+      <p:ext uri="{BB962C8B-B14F-4D97-AF65-F5344CB8AC3E}">
+        <p14:creationId xmlns:p14="http://schemas.microsoft.com/office/powerpoint/2010/main" val="2387315239"/>
+      </p:ext>
+    </p:extLst>
+  </p:cSld>
+  <p:clrMapOvr>
+    <a:masterClrMapping/>
+  </p:clrMapOvr>
+</p:sld>
+</file>
+
 <file path=ppt/theme/theme1.xml><?xml version="1.0" encoding="utf-8"?>
 <a:theme xmlns:a="http://schemas.openxmlformats.org/drawingml/2006/main" name="Thème Office">
   <a:themeElements>
